--- a/Paper/framework_simplified.pptx
+++ b/Paper/framework_simplified.pptx
@@ -197,7 +197,7 @@
           <a:p>
             <a:fld id="{081FF763-7FD6-44A0-8C31-4E732C56BEB3}" type="datetimeFigureOut">
               <a:rPr lang="en-US" smtClean="0"/>
-              <a:t>1/29/2025</a:t>
+              <a:t>2/20/25</a:t>
             </a:fld>
             <a:endParaRPr lang="en-US"/>
           </a:p>
@@ -679,7 +679,7 @@
           <a:p>
             <a:fld id="{A9DBF5DD-7AB2-40FA-A266-E4FBC7EAC0C5}" type="datetimeFigureOut">
               <a:rPr lang="en-US" smtClean="0"/>
-              <a:t>1/29/2025</a:t>
+              <a:t>2/20/25</a:t>
             </a:fld>
             <a:endParaRPr lang="en-US"/>
           </a:p>
@@ -849,7 +849,7 @@
           <a:p>
             <a:fld id="{A9DBF5DD-7AB2-40FA-A266-E4FBC7EAC0C5}" type="datetimeFigureOut">
               <a:rPr lang="en-US" smtClean="0"/>
-              <a:t>1/29/2025</a:t>
+              <a:t>2/20/25</a:t>
             </a:fld>
             <a:endParaRPr lang="en-US"/>
           </a:p>
@@ -1029,7 +1029,7 @@
           <a:p>
             <a:fld id="{A9DBF5DD-7AB2-40FA-A266-E4FBC7EAC0C5}" type="datetimeFigureOut">
               <a:rPr lang="en-US" smtClean="0"/>
-              <a:t>1/29/2025</a:t>
+              <a:t>2/20/25</a:t>
             </a:fld>
             <a:endParaRPr lang="en-US"/>
           </a:p>
@@ -1199,7 +1199,7 @@
           <a:p>
             <a:fld id="{A9DBF5DD-7AB2-40FA-A266-E4FBC7EAC0C5}" type="datetimeFigureOut">
               <a:rPr lang="en-US" smtClean="0"/>
-              <a:t>1/29/2025</a:t>
+              <a:t>2/20/25</a:t>
             </a:fld>
             <a:endParaRPr lang="en-US"/>
           </a:p>
@@ -1445,7 +1445,7 @@
           <a:p>
             <a:fld id="{A9DBF5DD-7AB2-40FA-A266-E4FBC7EAC0C5}" type="datetimeFigureOut">
               <a:rPr lang="en-US" smtClean="0"/>
-              <a:t>1/29/2025</a:t>
+              <a:t>2/20/25</a:t>
             </a:fld>
             <a:endParaRPr lang="en-US"/>
           </a:p>
@@ -1677,7 +1677,7 @@
           <a:p>
             <a:fld id="{A9DBF5DD-7AB2-40FA-A266-E4FBC7EAC0C5}" type="datetimeFigureOut">
               <a:rPr lang="en-US" smtClean="0"/>
-              <a:t>1/29/2025</a:t>
+              <a:t>2/20/25</a:t>
             </a:fld>
             <a:endParaRPr lang="en-US"/>
           </a:p>
@@ -2044,7 +2044,7 @@
           <a:p>
             <a:fld id="{A9DBF5DD-7AB2-40FA-A266-E4FBC7EAC0C5}" type="datetimeFigureOut">
               <a:rPr lang="en-US" smtClean="0"/>
-              <a:t>1/29/2025</a:t>
+              <a:t>2/20/25</a:t>
             </a:fld>
             <a:endParaRPr lang="en-US"/>
           </a:p>
@@ -2162,7 +2162,7 @@
           <a:p>
             <a:fld id="{A9DBF5DD-7AB2-40FA-A266-E4FBC7EAC0C5}" type="datetimeFigureOut">
               <a:rPr lang="en-US" smtClean="0"/>
-              <a:t>1/29/2025</a:t>
+              <a:t>2/20/25</a:t>
             </a:fld>
             <a:endParaRPr lang="en-US"/>
           </a:p>
@@ -2257,7 +2257,7 @@
           <a:p>
             <a:fld id="{A9DBF5DD-7AB2-40FA-A266-E4FBC7EAC0C5}" type="datetimeFigureOut">
               <a:rPr lang="en-US" smtClean="0"/>
-              <a:t>1/29/2025</a:t>
+              <a:t>2/20/25</a:t>
             </a:fld>
             <a:endParaRPr lang="en-US"/>
           </a:p>
@@ -2534,7 +2534,7 @@
           <a:p>
             <a:fld id="{A9DBF5DD-7AB2-40FA-A266-E4FBC7EAC0C5}" type="datetimeFigureOut">
               <a:rPr lang="en-US" smtClean="0"/>
-              <a:t>1/29/2025</a:t>
+              <a:t>2/20/25</a:t>
             </a:fld>
             <a:endParaRPr lang="en-US"/>
           </a:p>
@@ -2791,7 +2791,7 @@
           <a:p>
             <a:fld id="{A9DBF5DD-7AB2-40FA-A266-E4FBC7EAC0C5}" type="datetimeFigureOut">
               <a:rPr lang="en-US" smtClean="0"/>
-              <a:t>1/29/2025</a:t>
+              <a:t>2/20/25</a:t>
             </a:fld>
             <a:endParaRPr lang="en-US"/>
           </a:p>
@@ -3004,7 +3004,7 @@
           <a:p>
             <a:fld id="{A9DBF5DD-7AB2-40FA-A266-E4FBC7EAC0C5}" type="datetimeFigureOut">
               <a:rPr lang="en-US" smtClean="0"/>
-              <a:t>1/29/2025</a:t>
+              <a:t>2/20/25</a:t>
             </a:fld>
             <a:endParaRPr lang="en-US"/>
           </a:p>
@@ -3604,8 +3604,8 @@
           </p:sp>
         </mc:Fallback>
       </mc:AlternateContent>
-      <mc:AlternateContent xmlns:mc="http://schemas.openxmlformats.org/markup-compatibility/2006">
-        <mc:Choice xmlns:a14="http://schemas.microsoft.com/office/drawing/2010/main" Requires="a14">
+      <mc:AlternateContent xmlns:mc="http://schemas.openxmlformats.org/markup-compatibility/2006" xmlns:a14="http://schemas.microsoft.com/office/drawing/2010/main">
+        <mc:Choice Requires="a14">
           <p:sp>
             <p:nvSpPr>
               <p:cNvPr id="4" name="TextBox 3">
@@ -3759,7 +3759,7 @@
             </p:txBody>
           </p:sp>
         </mc:Choice>
-        <mc:Fallback>
+        <mc:Fallback xmlns="">
           <p:sp>
             <p:nvSpPr>
               <p:cNvPr id="4" name="TextBox 3">
@@ -5305,8 +5305,13 @@
           <a:p>
             <a:r>
               <a:rPr lang="en-US" sz="1600" i="1" dirty="0"/>
-              <a:t>hypothesis space</a:t>
+              <a:t>hypothesis </a:t>
             </a:r>
+            <a:r>
+              <a:rPr lang="en-US" altLang="zh-CN" sz="1600" i="1" dirty="0"/>
+              <a:t>class</a:t>
+            </a:r>
+            <a:endParaRPr lang="en-US" sz="1600" i="1" dirty="0"/>
           </a:p>
         </p:txBody>
       </p:sp>
